--- a/reports/report presentation.pptx
+++ b/reports/report presentation.pptx
@@ -12894,10 +12894,16 @@
           <a:p>
             <a:pPr algn="ctr"/>
             <a:r>
+              <a:rPr lang="fa-IR">
+                <a:cs typeface="B Titr" panose="00000700000000000000" pitchFamily="2" charset="-78"/>
+              </a:rPr>
+              <a:t>تابستان </a:t>
+            </a:r>
+            <a:r>
               <a:rPr lang="fa-IR" dirty="0">
                 <a:cs typeface="B Titr" panose="00000700000000000000" pitchFamily="2" charset="-78"/>
               </a:rPr>
-              <a:t>بهار 1398</a:t>
+              <a:t>1398</a:t>
             </a:r>
           </a:p>
         </p:txBody>
@@ -13535,8 +13541,8 @@
           </a:p>
         </p:txBody>
       </p:sp>
-      <mc:AlternateContent xmlns:mc="http://schemas.openxmlformats.org/markup-compatibility/2006">
-        <mc:Choice xmlns:cx1="http://schemas.microsoft.com/office/drawing/2015/9/8/chartex" Requires="cx1">
+      <mc:AlternateContent xmlns:mc="http://schemas.openxmlformats.org/markup-compatibility/2006" xmlns:cx1="http://schemas.microsoft.com/office/drawing/2015/9/8/chartex">
+        <mc:Choice Requires="cx1">
           <p:graphicFrame>
             <p:nvGraphicFramePr>
               <p:cNvPr id="6" name="Chart 5">
@@ -13566,7 +13572,7 @@
             </a:graphic>
           </p:graphicFrame>
         </mc:Choice>
-        <mc:Fallback>
+        <mc:Fallback xmlns="">
           <p:pic>
             <p:nvPicPr>
               <p:cNvPr id="6" name="Chart 5">
@@ -14719,8 +14725,8 @@
           </a:p>
         </p:txBody>
       </p:sp>
-      <mc:AlternateContent xmlns:mc="http://schemas.openxmlformats.org/markup-compatibility/2006">
-        <mc:Choice xmlns:cx1="http://schemas.microsoft.com/office/drawing/2015/9/8/chartex" Requires="cx1">
+      <mc:AlternateContent xmlns:mc="http://schemas.openxmlformats.org/markup-compatibility/2006" xmlns:cx1="http://schemas.microsoft.com/office/drawing/2015/9/8/chartex">
+        <mc:Choice Requires="cx1">
           <p:graphicFrame>
             <p:nvGraphicFramePr>
               <p:cNvPr id="7" name="Chart 6">
@@ -14750,7 +14756,7 @@
             </a:graphic>
           </p:graphicFrame>
         </mc:Choice>
-        <mc:Fallback>
+        <mc:Fallback xmlns="">
           <p:pic>
             <p:nvPicPr>
               <p:cNvPr id="7" name="Chart 6">
